--- a/Stuff.pptx
+++ b/Stuff.pptx
@@ -111,6 +111,11 @@
       </a:defRPr>
     </a:lvl9pPr>
   </p:defaultTextStyle>
+  <p:extLst>
+    <p:ext uri="{EFAFB233-063F-42B5-8137-9DF3F51BA10A}">
+      <p15:sldGuideLst xmlns:p15="http://schemas.microsoft.com/office/powerpoint/2012/main"/>
+    </p:ext>
+  </p:extLst>
 </p:presentation>
 </file>
 
@@ -3309,8 +3314,15 @@
           <a:p>
             <a:r>
               <a:rPr lang="en-GB" dirty="0" smtClean="0"/>
-              <a:t>User wont know salt and pepper are being used</a:t>
-            </a:r>
+              <a:t>User wont know salt and pepper are being </a:t>
+            </a:r>
+            <a:r>
+              <a:rPr lang="en-GB" dirty="0" smtClean="0"/>
+              <a:t>used</a:t>
+            </a:r>
+          </a:p>
+          <a:p>
+            <a:endParaRPr lang="en-GB" dirty="0" smtClean="0"/>
           </a:p>
           <a:p>
             <a:r>
@@ -3419,11 +3431,7 @@
           <a:p>
             <a:r>
               <a:rPr lang="en-GB" dirty="0" smtClean="0"/>
-              <a:t>Performs binary Operation on the “Message” to produce a </a:t>
-            </a:r>
-            <a:r>
-              <a:rPr lang="en-GB" dirty="0" smtClean="0"/>
-              <a:t>128-bit hash value</a:t>
+              <a:t>Performs binary Operation on the “Message” to produce a 128-bit hash value</a:t>
             </a:r>
           </a:p>
           <a:p>
